--- a/fll/Identify.pptx
+++ b/fll/Identify.pptx
@@ -5,17 +5,18 @@
     <p:sldMasterId id="2147483779" r:id="rId1"/>
   </p:sldMasterIdLst>
   <p:notesMasterIdLst>
-    <p:notesMasterId r:id="rId10"/>
+    <p:notesMasterId r:id="rId11"/>
   </p:notesMasterIdLst>
   <p:sldIdLst>
     <p:sldId id="256" r:id="rId2"/>
     <p:sldId id="257" r:id="rId3"/>
     <p:sldId id="259" r:id="rId4"/>
-    <p:sldId id="260" r:id="rId5"/>
-    <p:sldId id="261" r:id="rId6"/>
-    <p:sldId id="263" r:id="rId7"/>
-    <p:sldId id="262" r:id="rId8"/>
-    <p:sldId id="258" r:id="rId9"/>
+    <p:sldId id="264" r:id="rId5"/>
+    <p:sldId id="260" r:id="rId6"/>
+    <p:sldId id="261" r:id="rId7"/>
+    <p:sldId id="263" r:id="rId8"/>
+    <p:sldId id="262" r:id="rId9"/>
+    <p:sldId id="258" r:id="rId10"/>
   </p:sldIdLst>
   <p:sldSz cx="9144000" cy="6858000" type="screen4x3"/>
   <p:notesSz cx="6858000" cy="9144000"/>
@@ -4853,8 +4854,13 @@
             <a:pPr lvl="1"/>
             <a:r>
               <a:rPr lang="en-US" dirty="0" smtClean="0"/>
-              <a:t>Our research project for Trash Trek was a Global Innovation Award semi-finalist project (Top 20/29,0000).</a:t>
-            </a:r>
+              <a:t>Our research project for Trash Trek was a Global Innovation Award semi-finalist project (Top </a:t>
+            </a:r>
+            <a:r>
+              <a:rPr lang="en-US" dirty="0" smtClean="0"/>
+              <a:t>20 out of 29,0000 teams).</a:t>
+            </a:r>
+            <a:endParaRPr lang="en-US" dirty="0" smtClean="0"/>
           </a:p>
           <a:p>
             <a:pPr lvl="1"/>
@@ -5338,6 +5344,186 @@
           <a:p>
             <a:r>
               <a:rPr lang="en-US" dirty="0" smtClean="0"/>
+              <a:t>Head Start Ideas</a:t>
+            </a:r>
+            <a:endParaRPr lang="en-US" dirty="0"/>
+          </a:p>
+        </p:txBody>
+      </p:sp>
+      <p:sp>
+        <p:nvSpPr>
+          <p:cNvPr id="3" name="Content Placeholder 2"/>
+          <p:cNvSpPr>
+            <a:spLocks noGrp="1"/>
+          </p:cNvSpPr>
+          <p:nvPr>
+            <p:ph idx="1"/>
+          </p:nvPr>
+        </p:nvSpPr>
+        <p:spPr>
+          <a:xfrm>
+            <a:off x="241740" y="1845734"/>
+            <a:ext cx="3662996" cy="4023360"/>
+          </a:xfrm>
+        </p:spPr>
+        <p:txBody>
+          <a:bodyPr/>
+          <a:lstStyle/>
+          <a:p>
+            <a:r>
+              <a:rPr lang="en-US" dirty="0" smtClean="0"/>
+              <a:t>Go on some early field trips to inspire project topics</a:t>
+            </a:r>
+          </a:p>
+          <a:p>
+            <a:pPr lvl="1"/>
+            <a:r>
+              <a:rPr lang="en-US" dirty="0" smtClean="0"/>
+              <a:t>In Animal Allies, many teams visited Zoos and Aquariums over the summer</a:t>
+            </a:r>
+          </a:p>
+          <a:p>
+            <a:r>
+              <a:rPr lang="en-US" dirty="0" smtClean="0"/>
+              <a:t>Do some preliminary online research related to the topic</a:t>
+            </a:r>
+            <a:endParaRPr lang="en-US" dirty="0"/>
+          </a:p>
+          <a:p>
+            <a:r>
+              <a:rPr lang="en-US" dirty="0" smtClean="0"/>
+              <a:t>Your goal is not to finish your project, but get some general ideas for possible topics related to the theme.</a:t>
+            </a:r>
+          </a:p>
+          <a:p>
+            <a:pPr lvl="1"/>
+            <a:endParaRPr lang="en-US" dirty="0"/>
+          </a:p>
+        </p:txBody>
+      </p:sp>
+      <p:sp>
+        <p:nvSpPr>
+          <p:cNvPr id="4" name="Footer Placeholder 3"/>
+          <p:cNvSpPr>
+            <a:spLocks noGrp="1"/>
+          </p:cNvSpPr>
+          <p:nvPr>
+            <p:ph type="ftr" sz="quarter" idx="11"/>
+          </p:nvPr>
+        </p:nvSpPr>
+        <p:spPr/>
+        <p:txBody>
+          <a:bodyPr/>
+          <a:lstStyle/>
+          <a:p>
+            <a:r>
+              <a:rPr lang="en-US" smtClean="0"/>
+              <a:t>Copyright 2017, EV3Lessons.com (Last Edit 8/18/2017)</a:t>
+            </a:r>
+            <a:endParaRPr lang="en-US" dirty="0"/>
+          </a:p>
+        </p:txBody>
+      </p:sp>
+      <p:sp>
+        <p:nvSpPr>
+          <p:cNvPr id="5" name="Slide Number Placeholder 4"/>
+          <p:cNvSpPr>
+            <a:spLocks noGrp="1"/>
+          </p:cNvSpPr>
+          <p:nvPr>
+            <p:ph type="sldNum" sz="quarter" idx="12"/>
+          </p:nvPr>
+        </p:nvSpPr>
+        <p:spPr/>
+        <p:txBody>
+          <a:bodyPr/>
+          <a:lstStyle/>
+          <a:p>
+            <a:fld id="{6D22F896-40B5-4ADD-8801-0D06FADFA095}" type="slidenum">
+              <a:rPr lang="en-US" smtClean="0"/>
+              <a:t>4</a:t>
+            </a:fld>
+            <a:endParaRPr lang="en-US" dirty="0"/>
+          </a:p>
+        </p:txBody>
+      </p:sp>
+      <p:pic>
+        <p:nvPicPr>
+          <p:cNvPr id="7" name="Picture 6"/>
+          <p:cNvPicPr>
+            <a:picLocks noChangeAspect="1"/>
+          </p:cNvPicPr>
+          <p:nvPr/>
+        </p:nvPicPr>
+        <p:blipFill>
+          <a:blip r:embed="rId2">
+            <a:extLst>
+              <a:ext uri="{28A0092B-C50C-407E-A947-70E740481C1C}">
+                <a14:useLocalDpi xmlns:a14="http://schemas.microsoft.com/office/drawing/2010/main" val="0"/>
+              </a:ext>
+            </a:extLst>
+          </a:blip>
+          <a:stretch>
+            <a:fillRect/>
+          </a:stretch>
+        </p:blipFill>
+        <p:spPr>
+          <a:xfrm>
+            <a:off x="4287794" y="2170716"/>
+            <a:ext cx="4497860" cy="3373395"/>
+          </a:xfrm>
+          <a:prstGeom prst="rect">
+            <a:avLst/>
+          </a:prstGeom>
+        </p:spPr>
+      </p:pic>
+    </p:spTree>
+    <p:extLst>
+      <p:ext uri="{BB962C8B-B14F-4D97-AF65-F5344CB8AC3E}">
+        <p14:creationId xmlns:p14="http://schemas.microsoft.com/office/powerpoint/2010/main" val="780477816"/>
+      </p:ext>
+    </p:extLst>
+  </p:cSld>
+  <p:clrMapOvr>
+    <a:masterClrMapping/>
+  </p:clrMapOvr>
+</p:sld>
+</file>
+
+<file path=ppt/slides/slide5.xml><?xml version="1.0" encoding="utf-8"?>
+<p:sld xmlns:a="http://schemas.openxmlformats.org/drawingml/2006/main" xmlns:r="http://schemas.openxmlformats.org/officeDocument/2006/relationships" xmlns:p="http://schemas.openxmlformats.org/presentationml/2006/main">
+  <p:cSld>
+    <p:spTree>
+      <p:nvGrpSpPr>
+        <p:cNvPr id="1" name=""/>
+        <p:cNvGrpSpPr/>
+        <p:nvPr/>
+      </p:nvGrpSpPr>
+      <p:grpSpPr>
+        <a:xfrm>
+          <a:off x="0" y="0"/>
+          <a:ext cx="0" cy="0"/>
+          <a:chOff x="0" y="0"/>
+          <a:chExt cx="0" cy="0"/>
+        </a:xfrm>
+      </p:grpSpPr>
+      <p:sp>
+        <p:nvSpPr>
+          <p:cNvPr id="2" name="Title 1"/>
+          <p:cNvSpPr>
+            <a:spLocks noGrp="1"/>
+          </p:cNvSpPr>
+          <p:nvPr>
+            <p:ph type="title"/>
+          </p:nvPr>
+        </p:nvSpPr>
+        <p:spPr/>
+        <p:txBody>
+          <a:bodyPr/>
+          <a:lstStyle/>
+          <a:p>
+            <a:r>
+              <a:rPr lang="en-US" dirty="0" smtClean="0"/>
               <a:t>Read the Challenge Documents Carefully</a:t>
             </a:r>
             <a:endParaRPr lang="en-US" dirty="0"/>
@@ -5427,7 +5613,7 @@
           <a:p>
             <a:fld id="{6D22F896-40B5-4ADD-8801-0D06FADFA095}" type="slidenum">
               <a:rPr lang="en-US" smtClean="0"/>
-              <a:t>4</a:t>
+              <a:t>5</a:t>
             </a:fld>
             <a:endParaRPr lang="en-US" dirty="0"/>
           </a:p>
@@ -5534,7 +5720,7 @@
 </p:sld>
 </file>
 
-<file path=ppt/slides/slide5.xml><?xml version="1.0" encoding="utf-8"?>
+<file path=ppt/slides/slide6.xml><?xml version="1.0" encoding="utf-8"?>
 <p:sld xmlns:a="http://schemas.openxmlformats.org/drawingml/2006/main" xmlns:r="http://schemas.openxmlformats.org/officeDocument/2006/relationships" xmlns:p="http://schemas.openxmlformats.org/presentationml/2006/main">
   <p:cSld>
     <p:spTree>
@@ -5609,15 +5795,51 @@
           <a:p>
             <a:r>
               <a:rPr lang="en-US" dirty="0" smtClean="0"/>
-              <a:t>We recommend all team members do a little bit of research on their favorite topic (e.g. animal) and then present this topic to each other. </a:t>
+              <a:t>One idea is to have all team members </a:t>
+            </a:r>
+            <a:r>
+              <a:rPr lang="en-US" dirty="0" smtClean="0"/>
+              <a:t>do a little bit of research on their favorite </a:t>
+            </a:r>
+            <a:r>
+              <a:rPr lang="en-US" dirty="0" smtClean="0"/>
+              <a:t>topic </a:t>
+            </a:r>
+            <a:r>
+              <a:rPr lang="en-US" dirty="0" smtClean="0"/>
+              <a:t>and </a:t>
+            </a:r>
+            <a:r>
+              <a:rPr lang="en-US" dirty="0" smtClean="0"/>
+              <a:t>then present this topic to each other. </a:t>
             </a:r>
           </a:p>
           <a:p>
             <a:pPr lvl="1"/>
             <a:r>
               <a:rPr lang="en-US" dirty="0" smtClean="0"/>
-              <a:t>Then the team decides which topic that was presented they are most interested in to pick for their team’s project.</a:t>
-            </a:r>
+              <a:t>Then the team decides which </a:t>
+            </a:r>
+            <a:r>
+              <a:rPr lang="en-US" dirty="0" smtClean="0"/>
+              <a:t>topic they </a:t>
+            </a:r>
+            <a:r>
+              <a:rPr lang="en-US" dirty="0" smtClean="0"/>
+              <a:t>are most interested in to pick for their team’s project</a:t>
+            </a:r>
+            <a:r>
+              <a:rPr lang="en-US" dirty="0" smtClean="0"/>
+              <a:t>.</a:t>
+            </a:r>
+          </a:p>
+          <a:p>
+            <a:pPr lvl="1"/>
+            <a:r>
+              <a:rPr lang="en-US" dirty="0" smtClean="0"/>
+              <a:t>Next, the team identifies a specific problem within this topic</a:t>
+            </a:r>
+            <a:endParaRPr lang="en-US" dirty="0" smtClean="0"/>
           </a:p>
         </p:txBody>
       </p:sp>
@@ -5661,7 +5883,7 @@
           <a:p>
             <a:fld id="{6D22F896-40B5-4ADD-8801-0D06FADFA095}" type="slidenum">
               <a:rPr lang="en-US" smtClean="0"/>
-              <a:t>5</a:t>
+              <a:t>6</a:t>
             </a:fld>
             <a:endParaRPr lang="en-US" dirty="0"/>
           </a:p>
@@ -5710,7 +5932,7 @@
 </p:sld>
 </file>
 
-<file path=ppt/slides/slide6.xml><?xml version="1.0" encoding="utf-8"?>
+<file path=ppt/slides/slide7.xml><?xml version="1.0" encoding="utf-8"?>
 <p:sld xmlns:a="http://schemas.openxmlformats.org/drawingml/2006/main" xmlns:r="http://schemas.openxmlformats.org/officeDocument/2006/relationships" xmlns:p="http://schemas.openxmlformats.org/presentationml/2006/main">
   <p:cSld>
     <p:spTree>
@@ -5744,7 +5966,15 @@
           <a:p>
             <a:r>
               <a:rPr lang="en-US" dirty="0" smtClean="0"/>
-              <a:t>Identify a Problem</a:t>
+              <a:t>“Identifying </a:t>
+            </a:r>
+            <a:r>
+              <a:rPr lang="en-US" dirty="0" smtClean="0"/>
+              <a:t>a </a:t>
+            </a:r>
+            <a:r>
+              <a:rPr lang="en-US" dirty="0" smtClean="0"/>
+              <a:t>Problem” Process</a:t>
             </a:r>
             <a:endParaRPr lang="en-US" dirty="0"/>
           </a:p>
@@ -5790,7 +6020,7 @@
           <a:p>
             <a:fld id="{6D22F896-40B5-4ADD-8801-0D06FADFA095}" type="slidenum">
               <a:rPr lang="en-US" smtClean="0"/>
-              <a:t>6</a:t>
+              <a:t>7</a:t>
             </a:fld>
             <a:endParaRPr lang="en-US" dirty="0"/>
           </a:p>
@@ -5804,8 +6034,8 @@
         </p:nvGrpSpPr>
         <p:grpSpPr>
           <a:xfrm>
-            <a:off x="6742798" y="3449036"/>
-            <a:ext cx="2165123" cy="1299074"/>
+            <a:off x="7080422" y="3449036"/>
+            <a:ext cx="1827499" cy="1299074"/>
             <a:chOff x="3038416" y="295754"/>
             <a:chExt cx="2165123" cy="1299074"/>
           </a:xfrm>
@@ -5920,7 +6150,7 @@
         </p:nvGrpSpPr>
         <p:grpSpPr>
           <a:xfrm>
-            <a:off x="2712264" y="3863120"/>
+            <a:off x="3482645" y="3825071"/>
             <a:ext cx="459006" cy="536950"/>
             <a:chOff x="2388879" y="676816"/>
             <a:chExt cx="459006" cy="536950"/>
@@ -6036,7 +6266,7 @@
         </p:nvGrpSpPr>
         <p:grpSpPr>
           <a:xfrm>
-            <a:off x="3695855" y="4206215"/>
+            <a:off x="4153058" y="4206215"/>
             <a:ext cx="2165123" cy="1299074"/>
             <a:chOff x="3038416" y="295754"/>
             <a:chExt cx="2165123" cy="1299074"/>
@@ -6156,7 +6386,7 @@
         </p:nvGrpSpPr>
         <p:grpSpPr>
           <a:xfrm>
-            <a:off x="6072385" y="3863120"/>
+            <a:off x="6529588" y="3863120"/>
             <a:ext cx="459006" cy="536950"/>
             <a:chOff x="2388879" y="676816"/>
             <a:chExt cx="459006" cy="536950"/>
@@ -6272,7 +6502,7 @@
         </p:nvGrpSpPr>
         <p:grpSpPr>
           <a:xfrm>
-            <a:off x="3657806" y="2691857"/>
+            <a:off x="4115009" y="2691857"/>
             <a:ext cx="2165123" cy="1299074"/>
             <a:chOff x="3038416" y="295754"/>
             <a:chExt cx="2165123" cy="1299074"/>
@@ -6392,8 +6622,8 @@
         </p:nvGrpSpPr>
         <p:grpSpPr>
           <a:xfrm>
-            <a:off x="312870" y="3449036"/>
-            <a:ext cx="2165123" cy="1299074"/>
+            <a:off x="2166746" y="3710351"/>
+            <a:ext cx="1143463" cy="884990"/>
             <a:chOff x="3038416" y="295754"/>
             <a:chExt cx="2165123" cy="1299074"/>
           </a:xfrm>
@@ -6508,7 +6738,7 @@
         </p:nvSpPr>
         <p:spPr>
           <a:xfrm>
-            <a:off x="408570" y="2007523"/>
+            <a:off x="408570" y="1968791"/>
             <a:ext cx="1889787" cy="369332"/>
           </a:xfrm>
           <a:prstGeom prst="rect">
@@ -6524,14 +6754,14 @@
           <a:p>
             <a:pPr algn="ctr"/>
             <a:r>
-              <a:rPr lang="en-US" u="sng" dirty="0" smtClean="0">
+              <a:rPr lang="en-US" b="1" u="sng" dirty="0" smtClean="0">
                 <a:solidFill>
                   <a:srgbClr val="FF0000"/>
                 </a:solidFill>
               </a:rPr>
-              <a:t>Animal</a:t>
-            </a:r>
-            <a:endParaRPr lang="en-US" u="sng" dirty="0">
+              <a:t>Select an Animal</a:t>
+            </a:r>
+            <a:endParaRPr lang="en-US" b="1" u="sng" dirty="0">
               <a:solidFill>
                 <a:srgbClr val="FF0000"/>
               </a:solidFill>
@@ -6547,8 +6777,8 @@
         </p:nvSpPr>
         <p:spPr>
           <a:xfrm>
-            <a:off x="3622691" y="2007523"/>
-            <a:ext cx="2238287" cy="369332"/>
+            <a:off x="3017024" y="1968791"/>
+            <a:ext cx="3225059" cy="369332"/>
           </a:xfrm>
           <a:prstGeom prst="rect">
             <a:avLst/>
@@ -6563,14 +6793,22 @@
           <a:p>
             <a:pPr algn="ctr"/>
             <a:r>
-              <a:rPr lang="en-US" u="sng" dirty="0" smtClean="0">
+              <a:rPr lang="en-US" b="1" u="sng" smtClean="0">
                 <a:solidFill>
                   <a:srgbClr val="FF0000"/>
                 </a:solidFill>
               </a:rPr>
-              <a:t>Human Interaction</a:t>
-            </a:r>
-            <a:endParaRPr lang="en-US" u="sng" dirty="0">
+              <a:t>Identify the Human </a:t>
+            </a:r>
+            <a:r>
+              <a:rPr lang="en-US" b="1" u="sng" dirty="0" smtClean="0">
+                <a:solidFill>
+                  <a:srgbClr val="FF0000"/>
+                </a:solidFill>
+              </a:rPr>
+              <a:t>Interaction</a:t>
+            </a:r>
+            <a:endParaRPr lang="en-US" b="1" u="sng" dirty="0">
               <a:solidFill>
                 <a:srgbClr val="FF0000"/>
               </a:solidFill>
@@ -6586,7 +6824,7 @@
         </p:nvSpPr>
         <p:spPr>
           <a:xfrm>
-            <a:off x="6836813" y="2007523"/>
+            <a:off x="6836813" y="1968791"/>
             <a:ext cx="1849986" cy="369332"/>
           </a:xfrm>
           <a:prstGeom prst="rect">
@@ -6602,14 +6840,14 @@
           <a:p>
             <a:pPr algn="ctr"/>
             <a:r>
-              <a:rPr lang="en-US" u="sng" dirty="0" smtClean="0">
+              <a:rPr lang="en-US" b="1" u="sng" dirty="0" smtClean="0">
                 <a:solidFill>
                   <a:srgbClr val="FF0000"/>
                 </a:solidFill>
               </a:rPr>
               <a:t>Problem Selected</a:t>
             </a:r>
-            <a:endParaRPr lang="en-US" u="sng" dirty="0">
+            <a:endParaRPr lang="en-US" b="1" u="sng" dirty="0">
               <a:solidFill>
                 <a:srgbClr val="FF0000"/>
               </a:solidFill>
@@ -6647,6 +6885,470 @@
           </a:p>
         </p:txBody>
       </p:sp>
+      <p:grpSp>
+        <p:nvGrpSpPr>
+          <p:cNvPr id="36" name="Group 35"/>
+          <p:cNvGrpSpPr/>
+          <p:nvPr/>
+        </p:nvGrpSpPr>
+        <p:grpSpPr>
+          <a:xfrm>
+            <a:off x="216122" y="2605626"/>
+            <a:ext cx="1143463" cy="884990"/>
+            <a:chOff x="3038416" y="295754"/>
+            <a:chExt cx="2165123" cy="1299074"/>
+          </a:xfrm>
+        </p:grpSpPr>
+        <p:sp>
+          <p:nvSpPr>
+            <p:cNvPr id="37" name="Rounded Rectangle 36"/>
+            <p:cNvSpPr/>
+            <p:nvPr/>
+          </p:nvSpPr>
+          <p:spPr>
+            <a:xfrm>
+              <a:off x="3038416" y="295754"/>
+              <a:ext cx="2165123" cy="1299074"/>
+            </a:xfrm>
+            <a:prstGeom prst="roundRect">
+              <a:avLst>
+                <a:gd name="adj" fmla="val 10000"/>
+              </a:avLst>
+            </a:prstGeom>
+          </p:spPr>
+          <p:style>
+            <a:lnRef idx="0">
+              <a:schemeClr val="lt1">
+                <a:hueOff val="0"/>
+                <a:satOff val="0"/>
+                <a:lumOff val="0"/>
+                <a:alphaOff val="0"/>
+              </a:schemeClr>
+            </a:lnRef>
+            <a:fillRef idx="3">
+              <a:schemeClr val="accent1">
+                <a:hueOff val="0"/>
+                <a:satOff val="0"/>
+                <a:lumOff val="0"/>
+                <a:alphaOff val="0"/>
+              </a:schemeClr>
+            </a:fillRef>
+            <a:effectRef idx="2">
+              <a:schemeClr val="accent1">
+                <a:hueOff val="0"/>
+                <a:satOff val="0"/>
+                <a:lumOff val="0"/>
+                <a:alphaOff val="0"/>
+              </a:schemeClr>
+            </a:effectRef>
+            <a:fontRef idx="minor">
+              <a:schemeClr val="lt1"/>
+            </a:fontRef>
+          </p:style>
+        </p:sp>
+        <p:sp>
+          <p:nvSpPr>
+            <p:cNvPr id="38" name="Rounded Rectangle 4"/>
+            <p:cNvSpPr/>
+            <p:nvPr/>
+          </p:nvSpPr>
+          <p:spPr>
+            <a:xfrm>
+              <a:off x="3076466" y="333803"/>
+              <a:ext cx="2089024" cy="1222975"/>
+            </a:xfrm>
+            <a:prstGeom prst="rect">
+              <a:avLst/>
+            </a:prstGeom>
+          </p:spPr>
+          <p:style>
+            <a:lnRef idx="0">
+              <a:scrgbClr r="0" g="0" b="0"/>
+            </a:lnRef>
+            <a:fillRef idx="0">
+              <a:scrgbClr r="0" g="0" b="0"/>
+            </a:fillRef>
+            <a:effectRef idx="0">
+              <a:scrgbClr r="0" g="0" b="0"/>
+            </a:effectRef>
+            <a:fontRef idx="minor">
+              <a:schemeClr val="lt1"/>
+            </a:fontRef>
+          </p:style>
+          <p:txBody>
+            <a:bodyPr spcFirstLastPara="0" vert="horz" wrap="square" lIns="91440" tIns="91440" rIns="91440" bIns="91440" numCol="1" spcCol="1270" anchor="ctr" anchorCtr="0">
+              <a:noAutofit/>
+            </a:bodyPr>
+            <a:lstStyle/>
+            <a:p>
+              <a:pPr lvl="0" algn="ctr" defTabSz="1066800">
+                <a:lnSpc>
+                  <a:spcPct val="90000"/>
+                </a:lnSpc>
+                <a:spcBef>
+                  <a:spcPct val="0"/>
+                </a:spcBef>
+                <a:spcAft>
+                  <a:spcPct val="35000"/>
+                </a:spcAft>
+              </a:pPr>
+              <a:r>
+                <a:rPr lang="en-US" kern="1200" smtClean="0"/>
+                <a:t>Dolphins</a:t>
+              </a:r>
+              <a:endParaRPr lang="en-US" kern="1200" dirty="0"/>
+            </a:p>
+          </p:txBody>
+        </p:sp>
+      </p:grpSp>
+      <p:grpSp>
+        <p:nvGrpSpPr>
+          <p:cNvPr id="39" name="Group 38"/>
+          <p:cNvGrpSpPr/>
+          <p:nvPr/>
+        </p:nvGrpSpPr>
+        <p:grpSpPr>
+          <a:xfrm>
+            <a:off x="216122" y="3656078"/>
+            <a:ext cx="1143463" cy="884990"/>
+            <a:chOff x="3038416" y="295754"/>
+            <a:chExt cx="2165123" cy="1299074"/>
+          </a:xfrm>
+        </p:grpSpPr>
+        <p:sp>
+          <p:nvSpPr>
+            <p:cNvPr id="40" name="Rounded Rectangle 39"/>
+            <p:cNvSpPr/>
+            <p:nvPr/>
+          </p:nvSpPr>
+          <p:spPr>
+            <a:xfrm>
+              <a:off x="3038416" y="295754"/>
+              <a:ext cx="2165123" cy="1299074"/>
+            </a:xfrm>
+            <a:prstGeom prst="roundRect">
+              <a:avLst>
+                <a:gd name="adj" fmla="val 10000"/>
+              </a:avLst>
+            </a:prstGeom>
+          </p:spPr>
+          <p:style>
+            <a:lnRef idx="0">
+              <a:schemeClr val="lt1">
+                <a:hueOff val="0"/>
+                <a:satOff val="0"/>
+                <a:lumOff val="0"/>
+                <a:alphaOff val="0"/>
+              </a:schemeClr>
+            </a:lnRef>
+            <a:fillRef idx="3">
+              <a:schemeClr val="accent1">
+                <a:hueOff val="0"/>
+                <a:satOff val="0"/>
+                <a:lumOff val="0"/>
+                <a:alphaOff val="0"/>
+              </a:schemeClr>
+            </a:fillRef>
+            <a:effectRef idx="2">
+              <a:schemeClr val="accent1">
+                <a:hueOff val="0"/>
+                <a:satOff val="0"/>
+                <a:lumOff val="0"/>
+                <a:alphaOff val="0"/>
+              </a:schemeClr>
+            </a:effectRef>
+            <a:fontRef idx="minor">
+              <a:schemeClr val="lt1"/>
+            </a:fontRef>
+          </p:style>
+        </p:sp>
+        <p:sp>
+          <p:nvSpPr>
+            <p:cNvPr id="41" name="Rounded Rectangle 4"/>
+            <p:cNvSpPr/>
+            <p:nvPr/>
+          </p:nvSpPr>
+          <p:spPr>
+            <a:xfrm>
+              <a:off x="3076466" y="333803"/>
+              <a:ext cx="2089024" cy="1222975"/>
+            </a:xfrm>
+            <a:prstGeom prst="rect">
+              <a:avLst/>
+            </a:prstGeom>
+          </p:spPr>
+          <p:style>
+            <a:lnRef idx="0">
+              <a:scrgbClr r="0" g="0" b="0"/>
+            </a:lnRef>
+            <a:fillRef idx="0">
+              <a:scrgbClr r="0" g="0" b="0"/>
+            </a:fillRef>
+            <a:effectRef idx="0">
+              <a:scrgbClr r="0" g="0" b="0"/>
+            </a:effectRef>
+            <a:fontRef idx="minor">
+              <a:schemeClr val="lt1"/>
+            </a:fontRef>
+          </p:style>
+          <p:txBody>
+            <a:bodyPr spcFirstLastPara="0" vert="horz" wrap="square" lIns="91440" tIns="91440" rIns="91440" bIns="91440" numCol="1" spcCol="1270" anchor="ctr" anchorCtr="0">
+              <a:noAutofit/>
+            </a:bodyPr>
+            <a:lstStyle/>
+            <a:p>
+              <a:pPr lvl="0" algn="ctr" defTabSz="1066800">
+                <a:lnSpc>
+                  <a:spcPct val="90000"/>
+                </a:lnSpc>
+                <a:spcBef>
+                  <a:spcPct val="0"/>
+                </a:spcBef>
+                <a:spcAft>
+                  <a:spcPct val="35000"/>
+                </a:spcAft>
+              </a:pPr>
+              <a:r>
+                <a:rPr lang="en-US" dirty="0" smtClean="0"/>
+                <a:t>K-9</a:t>
+              </a:r>
+              <a:endParaRPr lang="en-US" kern="1200" dirty="0"/>
+            </a:p>
+          </p:txBody>
+        </p:sp>
+      </p:grpSp>
+      <p:grpSp>
+        <p:nvGrpSpPr>
+          <p:cNvPr id="42" name="Group 41"/>
+          <p:cNvGrpSpPr/>
+          <p:nvPr/>
+        </p:nvGrpSpPr>
+        <p:grpSpPr>
+          <a:xfrm>
+            <a:off x="236217" y="4786934"/>
+            <a:ext cx="1143463" cy="884990"/>
+            <a:chOff x="3038416" y="295754"/>
+            <a:chExt cx="2165123" cy="1299074"/>
+          </a:xfrm>
+        </p:grpSpPr>
+        <p:sp>
+          <p:nvSpPr>
+            <p:cNvPr id="43" name="Rounded Rectangle 42"/>
+            <p:cNvSpPr/>
+            <p:nvPr/>
+          </p:nvSpPr>
+          <p:spPr>
+            <a:xfrm>
+              <a:off x="3038416" y="295754"/>
+              <a:ext cx="2165123" cy="1299074"/>
+            </a:xfrm>
+            <a:prstGeom prst="roundRect">
+              <a:avLst>
+                <a:gd name="adj" fmla="val 10000"/>
+              </a:avLst>
+            </a:prstGeom>
+          </p:spPr>
+          <p:style>
+            <a:lnRef idx="0">
+              <a:schemeClr val="lt1">
+                <a:hueOff val="0"/>
+                <a:satOff val="0"/>
+                <a:lumOff val="0"/>
+                <a:alphaOff val="0"/>
+              </a:schemeClr>
+            </a:lnRef>
+            <a:fillRef idx="3">
+              <a:schemeClr val="accent1">
+                <a:hueOff val="0"/>
+                <a:satOff val="0"/>
+                <a:lumOff val="0"/>
+                <a:alphaOff val="0"/>
+              </a:schemeClr>
+            </a:fillRef>
+            <a:effectRef idx="2">
+              <a:schemeClr val="accent1">
+                <a:hueOff val="0"/>
+                <a:satOff val="0"/>
+                <a:lumOff val="0"/>
+                <a:alphaOff val="0"/>
+              </a:schemeClr>
+            </a:effectRef>
+            <a:fontRef idx="minor">
+              <a:schemeClr val="lt1"/>
+            </a:fontRef>
+          </p:style>
+        </p:sp>
+        <p:sp>
+          <p:nvSpPr>
+            <p:cNvPr id="44" name="Rounded Rectangle 4"/>
+            <p:cNvSpPr/>
+            <p:nvPr/>
+          </p:nvSpPr>
+          <p:spPr>
+            <a:xfrm>
+              <a:off x="3076466" y="333803"/>
+              <a:ext cx="2089024" cy="1222975"/>
+            </a:xfrm>
+            <a:prstGeom prst="rect">
+              <a:avLst/>
+            </a:prstGeom>
+          </p:spPr>
+          <p:style>
+            <a:lnRef idx="0">
+              <a:scrgbClr r="0" g="0" b="0"/>
+            </a:lnRef>
+            <a:fillRef idx="0">
+              <a:scrgbClr r="0" g="0" b="0"/>
+            </a:fillRef>
+            <a:effectRef idx="0">
+              <a:scrgbClr r="0" g="0" b="0"/>
+            </a:effectRef>
+            <a:fontRef idx="minor">
+              <a:schemeClr val="lt1"/>
+            </a:fontRef>
+          </p:style>
+          <p:txBody>
+            <a:bodyPr spcFirstLastPara="0" vert="horz" wrap="square" lIns="91440" tIns="91440" rIns="91440" bIns="91440" numCol="1" spcCol="1270" anchor="ctr" anchorCtr="0">
+              <a:noAutofit/>
+            </a:bodyPr>
+            <a:lstStyle/>
+            <a:p>
+              <a:pPr lvl="0" algn="ctr" defTabSz="1066800">
+                <a:lnSpc>
+                  <a:spcPct val="90000"/>
+                </a:lnSpc>
+                <a:spcBef>
+                  <a:spcPct val="0"/>
+                </a:spcBef>
+                <a:spcAft>
+                  <a:spcPct val="35000"/>
+                </a:spcAft>
+              </a:pPr>
+              <a:r>
+                <a:rPr lang="en-US" dirty="0" smtClean="0"/>
+                <a:t>Bats</a:t>
+              </a:r>
+              <a:endParaRPr lang="en-US" kern="1200" dirty="0"/>
+            </a:p>
+          </p:txBody>
+        </p:sp>
+      </p:grpSp>
+      <p:grpSp>
+        <p:nvGrpSpPr>
+          <p:cNvPr id="45" name="Group 44"/>
+          <p:cNvGrpSpPr/>
+          <p:nvPr/>
+        </p:nvGrpSpPr>
+        <p:grpSpPr>
+          <a:xfrm>
+            <a:off x="1559947" y="3843324"/>
+            <a:ext cx="459006" cy="536950"/>
+            <a:chOff x="2388879" y="676816"/>
+            <a:chExt cx="459006" cy="536950"/>
+          </a:xfrm>
+        </p:grpSpPr>
+        <p:sp>
+          <p:nvSpPr>
+            <p:cNvPr id="46" name="Right Arrow 45"/>
+            <p:cNvSpPr/>
+            <p:nvPr/>
+          </p:nvSpPr>
+          <p:spPr>
+            <a:xfrm>
+              <a:off x="2388879" y="676816"/>
+              <a:ext cx="459006" cy="536950"/>
+            </a:xfrm>
+            <a:prstGeom prst="rightArrow">
+              <a:avLst>
+                <a:gd name="adj1" fmla="val 60000"/>
+                <a:gd name="adj2" fmla="val 50000"/>
+              </a:avLst>
+            </a:prstGeom>
+          </p:spPr>
+          <p:style>
+            <a:lnRef idx="0">
+              <a:schemeClr val="accent1">
+                <a:tint val="60000"/>
+                <a:hueOff val="0"/>
+                <a:satOff val="0"/>
+                <a:lumOff val="0"/>
+                <a:alphaOff val="0"/>
+              </a:schemeClr>
+            </a:lnRef>
+            <a:fillRef idx="3">
+              <a:schemeClr val="accent1">
+                <a:tint val="60000"/>
+                <a:hueOff val="0"/>
+                <a:satOff val="0"/>
+                <a:lumOff val="0"/>
+                <a:alphaOff val="0"/>
+              </a:schemeClr>
+            </a:fillRef>
+            <a:effectRef idx="2">
+              <a:schemeClr val="accent1">
+                <a:tint val="60000"/>
+                <a:hueOff val="0"/>
+                <a:satOff val="0"/>
+                <a:lumOff val="0"/>
+                <a:alphaOff val="0"/>
+              </a:schemeClr>
+            </a:effectRef>
+            <a:fontRef idx="minor">
+              <a:schemeClr val="lt1"/>
+            </a:fontRef>
+          </p:style>
+        </p:sp>
+        <p:sp>
+          <p:nvSpPr>
+            <p:cNvPr id="47" name="Right Arrow 4"/>
+            <p:cNvSpPr/>
+            <p:nvPr/>
+          </p:nvSpPr>
+          <p:spPr>
+            <a:xfrm>
+              <a:off x="2388879" y="784206"/>
+              <a:ext cx="321304" cy="322170"/>
+            </a:xfrm>
+            <a:prstGeom prst="rect">
+              <a:avLst/>
+            </a:prstGeom>
+          </p:spPr>
+          <p:style>
+            <a:lnRef idx="0">
+              <a:scrgbClr r="0" g="0" b="0"/>
+            </a:lnRef>
+            <a:fillRef idx="0">
+              <a:scrgbClr r="0" g="0" b="0"/>
+            </a:fillRef>
+            <a:effectRef idx="0">
+              <a:scrgbClr r="0" g="0" b="0"/>
+            </a:effectRef>
+            <a:fontRef idx="minor">
+              <a:schemeClr val="lt1"/>
+            </a:fontRef>
+          </p:style>
+          <p:txBody>
+            <a:bodyPr spcFirstLastPara="0" vert="horz" wrap="square" lIns="0" tIns="0" rIns="0" bIns="0" numCol="1" spcCol="1270" anchor="ctr" anchorCtr="0">
+              <a:noAutofit/>
+            </a:bodyPr>
+            <a:lstStyle/>
+            <a:p>
+              <a:pPr lvl="0" algn="ctr" defTabSz="844550">
+                <a:lnSpc>
+                  <a:spcPct val="90000"/>
+                </a:lnSpc>
+                <a:spcBef>
+                  <a:spcPct val="0"/>
+                </a:spcBef>
+                <a:spcAft>
+                  <a:spcPct val="35000"/>
+                </a:spcAft>
+              </a:pPr>
+              <a:endParaRPr lang="en-US" sz="1900" kern="1200"/>
+            </a:p>
+          </p:txBody>
+        </p:sp>
+      </p:grpSp>
     </p:spTree>
     <p:extLst>
       <p:ext uri="{BB962C8B-B14F-4D97-AF65-F5344CB8AC3E}">
@@ -6660,7 +7362,7 @@
 </p:sld>
 </file>
 
-<file path=ppt/slides/slide7.xml><?xml version="1.0" encoding="utf-8"?>
+<file path=ppt/slides/slide8.xml><?xml version="1.0" encoding="utf-8"?>
 <p:sld xmlns:a="http://schemas.openxmlformats.org/drawingml/2006/main" xmlns:r="http://schemas.openxmlformats.org/officeDocument/2006/relationships" xmlns:p="http://schemas.openxmlformats.org/presentationml/2006/main">
   <p:cSld>
     <p:spTree>
@@ -6864,7 +7566,7 @@
           <a:p>
             <a:fld id="{6D22F896-40B5-4ADD-8801-0D06FADFA095}" type="slidenum">
               <a:rPr lang="en-US" smtClean="0"/>
-              <a:t>7</a:t>
+              <a:t>8</a:t>
             </a:fld>
             <a:endParaRPr lang="en-US" dirty="0"/>
           </a:p>
@@ -6943,7 +7645,7 @@
 </p:sld>
 </file>
 
-<file path=ppt/slides/slide8.xml><?xml version="1.0" encoding="utf-8"?>
+<file path=ppt/slides/slide9.xml><?xml version="1.0" encoding="utf-8"?>
 <p:sld xmlns:a="http://schemas.openxmlformats.org/drawingml/2006/main" xmlns:r="http://schemas.openxmlformats.org/officeDocument/2006/relationships" xmlns:p="http://schemas.openxmlformats.org/presentationml/2006/main">
   <p:cSld>
     <p:spTree>
@@ -7055,7 +7757,7 @@
           <a:p>
             <a:fld id="{6D22F896-40B5-4ADD-8801-0D06FADFA095}" type="slidenum">
               <a:rPr lang="en-US" smtClean="0"/>
-              <a:t>8</a:t>
+              <a:t>9</a:t>
             </a:fld>
             <a:endParaRPr lang="en-US" dirty="0"/>
           </a:p>
